--- a/TVCHH/TVCHH 031 - Toàn Năng Thay Chúa.pptx
+++ b/TVCHH/TVCHH 031 - Toàn Năng Thay Chúa.pptx
@@ -109,6 +109,11 @@
       </a:defRPr>
     </a:lvl9pPr>
   </p:defaultTextStyle>
+  <p:extLst>
+    <p:ext uri="{EFAFB233-063F-42B5-8137-9DF3F51BA10A}">
+      <p15:sldGuideLst xmlns:p15="http://schemas.microsoft.com/office/powerpoint/2012/main"/>
+    </p:ext>
+  </p:extLst>
 </p:presentation>
 </file>
 
@@ -154,10 +159,9 @@
           </a:lstStyle>
           <a:p>
             <a:r>
-              <a:rPr lang="en-US" smtClean="0"/>
+              <a:rPr lang="en-US"/>
               <a:t>Click to edit Master title style</a:t>
             </a:r>
-            <a:endParaRPr lang="en-US"/>
           </a:p>
         </p:txBody>
       </p:sp>
@@ -219,10 +223,9 @@
           </a:lstStyle>
           <a:p>
             <a:r>
-              <a:rPr lang="en-US" smtClean="0"/>
+              <a:rPr lang="en-US"/>
               <a:t>Click to edit Master subtitle style</a:t>
             </a:r>
-            <a:endParaRPr lang="en-US"/>
           </a:p>
         </p:txBody>
       </p:sp>
@@ -250,7 +253,7 @@
                 </a:solidFill>
               </a:rPr>
               <a:pPr/>
-              <a:t>3/25/2013</a:t>
+              <a:t>8/31/19</a:t>
             </a:fld>
             <a:endParaRPr lang="en-US">
               <a:solidFill>
@@ -378,10 +381,9 @@
           </a:lstStyle>
           <a:p>
             <a:r>
-              <a:rPr lang="en-US" smtClean="0"/>
+              <a:rPr lang="en-US"/>
               <a:t>Click to edit Master title style</a:t>
             </a:r>
-            <a:endParaRPr lang="en-US"/>
           </a:p>
         </p:txBody>
       </p:sp>
@@ -443,10 +445,9 @@
           </a:lstStyle>
           <a:p>
             <a:r>
-              <a:rPr lang="en-US" smtClean="0"/>
+              <a:rPr lang="en-US"/>
               <a:t>Click to edit Master subtitle style</a:t>
             </a:r>
-            <a:endParaRPr lang="en-US"/>
           </a:p>
         </p:txBody>
       </p:sp>
@@ -474,7 +475,7 @@
                 </a:solidFill>
               </a:rPr>
               <a:pPr/>
-              <a:t>3/25/2013</a:t>
+              <a:t>8/31/19</a:t>
             </a:fld>
             <a:endParaRPr lang="en-US">
               <a:solidFill>
@@ -617,10 +618,9 @@
           <a:lstStyle/>
           <a:p>
             <a:r>
-              <a:rPr lang="en-US" smtClean="0"/>
+              <a:rPr lang="en-US"/>
               <a:t>Click to edit Master title style</a:t>
             </a:r>
-            <a:endParaRPr lang="en-US"/>
           </a:p>
         </p:txBody>
       </p:sp>
@@ -651,38 +651,37 @@
           <a:p>
             <a:pPr lvl="0"/>
             <a:r>
-              <a:rPr lang="en-US" smtClean="0"/>
+              <a:rPr lang="en-US"/>
               <a:t>Click to edit Master text styles</a:t>
             </a:r>
           </a:p>
           <a:p>
             <a:pPr lvl="1"/>
             <a:r>
-              <a:rPr lang="en-US" smtClean="0"/>
+              <a:rPr lang="en-US"/>
               <a:t>Second level</a:t>
             </a:r>
           </a:p>
           <a:p>
             <a:pPr lvl="2"/>
             <a:r>
-              <a:rPr lang="en-US" smtClean="0"/>
+              <a:rPr lang="en-US"/>
               <a:t>Third level</a:t>
             </a:r>
           </a:p>
           <a:p>
             <a:pPr lvl="3"/>
             <a:r>
-              <a:rPr lang="en-US" smtClean="0"/>
+              <a:rPr lang="en-US"/>
               <a:t>Fourth level</a:t>
             </a:r>
           </a:p>
           <a:p>
             <a:pPr lvl="4"/>
             <a:r>
-              <a:rPr lang="en-US" smtClean="0"/>
+              <a:rPr lang="en-US"/>
               <a:t>Fifth level</a:t>
             </a:r>
-            <a:endParaRPr lang="en-US"/>
           </a:p>
         </p:txBody>
       </p:sp>
@@ -728,7 +727,7 @@
                 </a:solidFill>
               </a:rPr>
               <a:pPr/>
-              <a:t>3/25/2013</a:t>
+              <a:t>8/31/19</a:t>
             </a:fld>
             <a:endParaRPr lang="en-US">
               <a:solidFill>
@@ -1188,10 +1187,9 @@
           <a:lstStyle/>
           <a:p>
             <a:r>
-              <a:rPr lang="en-US" smtClean="0"/>
+              <a:rPr lang="en-US"/>
               <a:t>Click to edit Master title style</a:t>
             </a:r>
-            <a:endParaRPr lang="en-US"/>
           </a:p>
         </p:txBody>
       </p:sp>
@@ -1222,38 +1220,37 @@
           <a:p>
             <a:pPr lvl="0"/>
             <a:r>
-              <a:rPr lang="en-US" smtClean="0"/>
+              <a:rPr lang="en-US"/>
               <a:t>Click to edit Master text styles</a:t>
             </a:r>
           </a:p>
           <a:p>
             <a:pPr lvl="1"/>
             <a:r>
-              <a:rPr lang="en-US" smtClean="0"/>
+              <a:rPr lang="en-US"/>
               <a:t>Second level</a:t>
             </a:r>
           </a:p>
           <a:p>
             <a:pPr lvl="2"/>
             <a:r>
-              <a:rPr lang="en-US" smtClean="0"/>
+              <a:rPr lang="en-US"/>
               <a:t>Third level</a:t>
             </a:r>
           </a:p>
           <a:p>
             <a:pPr lvl="3"/>
             <a:r>
-              <a:rPr lang="en-US" smtClean="0"/>
+              <a:rPr lang="en-US"/>
               <a:t>Fourth level</a:t>
             </a:r>
           </a:p>
           <a:p>
             <a:pPr lvl="4"/>
             <a:r>
-              <a:rPr lang="en-US" smtClean="0"/>
+              <a:rPr lang="en-US"/>
               <a:t>Fifth level</a:t>
             </a:r>
-            <a:endParaRPr lang="en-US"/>
           </a:p>
         </p:txBody>
       </p:sp>
@@ -1299,7 +1296,7 @@
                 </a:solidFill>
               </a:rPr>
               <a:pPr/>
-              <a:t>3/25/2013</a:t>
+              <a:t>8/31/19</a:t>
             </a:fld>
             <a:endParaRPr lang="en-US">
               <a:solidFill>
@@ -1782,7 +1779,7 @@
           <a:p>
             <a:pPr algn="ctr"/>
             <a:r>
-              <a:rPr lang="en-US" sz="6600" b="1" smtClean="0">
+              <a:rPr lang="en-US" sz="6600" b="1" dirty="0">
                 <a:ln w="11430"/>
                 <a:solidFill>
                   <a:srgbClr val="FFFF00"/>
@@ -1797,27 +1794,10 @@
                     </a:srgbClr>
                   </a:outerShdw>
                 </a:effectLst>
-                <a:latin typeface="HP-Bank" panose="020B0603050302020204" pitchFamily="34" charset="0"/>
+                <a:latin typeface="VNI-Times" pitchFamily="2" charset="0"/>
               </a:rPr>
               <a:t>TOAØN NAÊNG THAY CHUÙA</a:t>
             </a:r>
-            <a:endParaRPr lang="en-US" sz="6600" b="1">
-              <a:ln w="11430"/>
-              <a:solidFill>
-                <a:srgbClr val="FFFF00"/>
-              </a:solidFill>
-              <a:effectLst>
-                <a:glow rad="127000">
-                  <a:prstClr val="black"/>
-                </a:glow>
-                <a:outerShdw blurRad="50800" dist="39000" dir="5460000" algn="tl">
-                  <a:srgbClr val="000000">
-                    <a:alpha val="38000"/>
-                  </a:srgbClr>
-                </a:outerShdw>
-              </a:effectLst>
-              <a:latin typeface="HP-Bank" panose="020B0603050302020204" pitchFamily="34" charset="0"/>
-            </a:endParaRPr>
           </a:p>
         </p:txBody>
       </p:sp>
@@ -1831,25 +1811,18 @@
   <p:clrMapOvr>
     <a:masterClrMapping/>
   </p:clrMapOvr>
-  <mc:AlternateContent xmlns:mc="http://schemas.openxmlformats.org/markup-compatibility/2006">
-    <mc:Choice xmlns:p14="http://schemas.microsoft.com/office/powerpoint/2010/main" Requires="p14">
+  <mc:AlternateContent xmlns:mc="http://schemas.openxmlformats.org/markup-compatibility/2006" xmlns:p14="http://schemas.microsoft.com/office/powerpoint/2010/main">
+    <mc:Choice Requires="p14">
       <p:transition spd="slow" p14:dur="800">
         <p:circle/>
       </p:transition>
     </mc:Choice>
-    <mc:Fallback>
+    <mc:Fallback xmlns="">
       <p:transition spd="slow">
         <p:circle/>
       </p:transition>
     </mc:Fallback>
   </mc:AlternateContent>
-  <p:timing>
-    <p:tnLst>
-      <p:par>
-        <p:cTn id="1" dur="indefinite" restart="never" nodeType="tmRoot"/>
-      </p:par>
-    </p:tnLst>
-  </p:timing>
 </p:sld>
 </file>
 
@@ -1894,7 +1867,7 @@
           <a:p>
             <a:pPr algn="ctr"/>
             <a:r>
-              <a:rPr lang="en-US" sz="4000" b="1" smtClean="0">
+              <a:rPr lang="en-US" sz="4000" b="1" dirty="0">
                 <a:ln w="11430"/>
                 <a:solidFill>
                   <a:srgbClr val="FFFF00"/>
@@ -1909,27 +1882,10 @@
                     </a:srgbClr>
                   </a:outerShdw>
                 </a:effectLst>
-                <a:latin typeface="HP-Bank" panose="020B0603050302020204" pitchFamily="34" charset="0"/>
+                <a:latin typeface="VNI-Times" pitchFamily="2" charset="0"/>
               </a:rPr>
               <a:t>TOAØN NAÊNG THAY CHUÙA</a:t>
             </a:r>
-            <a:endParaRPr lang="en-US" sz="4000" b="1">
-              <a:ln w="11430"/>
-              <a:solidFill>
-                <a:srgbClr val="FFFF00"/>
-              </a:solidFill>
-              <a:effectLst>
-                <a:glow rad="127000">
-                  <a:prstClr val="black"/>
-                </a:glow>
-                <a:outerShdw blurRad="50800" dist="39000" dir="5460000" algn="tl">
-                  <a:srgbClr val="000000">
-                    <a:alpha val="38000"/>
-                  </a:srgbClr>
-                </a:outerShdw>
-              </a:effectLst>
-              <a:latin typeface="HP-Bank" panose="020B0603050302020204" pitchFamily="34" charset="0"/>
-            </a:endParaRPr>
           </a:p>
         </p:txBody>
       </p:sp>
@@ -1976,7 +1932,7 @@
               </a:spcAft>
             </a:pPr>
             <a:r>
-              <a:rPr lang="en-US" sz="6600" b="1" smtClean="0">
+              <a:rPr lang="en-US" sz="6600" b="1">
                 <a:solidFill>
                   <a:prstClr val="black"/>
                 </a:solidFill>
@@ -1991,19 +1947,6 @@
               </a:rPr>
               <a:t>Toaøn naêng thay Chuùa, Jeâsus naêng quyeàn, luoân naâng ñôõ, daãn daét, giuùp söùc con ngaøy ñeâm.</a:t>
             </a:r>
-            <a:endParaRPr lang="en-US" sz="6600" b="1">
-              <a:solidFill>
-                <a:prstClr val="black"/>
-              </a:solidFill>
-              <a:effectLst>
-                <a:glow rad="127000">
-                  <a:prstClr val="white"/>
-                </a:glow>
-              </a:effectLst>
-              <a:latin typeface="VNI-Aptima" pitchFamily="2" charset="0"/>
-              <a:ea typeface="Times New Roman" pitchFamily="18" charset="0"/>
-              <a:cs typeface="Times New Roman" pitchFamily="18" charset="0"/>
-            </a:endParaRPr>
           </a:p>
         </p:txBody>
       </p:sp>
@@ -2020,13 +1963,6 @@
   <p:transition spd="slow">
     <p:randomBar dir="vert"/>
   </p:transition>
-  <p:timing>
-    <p:tnLst>
-      <p:par>
-        <p:cTn id="1" dur="indefinite" restart="never" nodeType="tmRoot"/>
-      </p:par>
-    </p:tnLst>
-  </p:timing>
 </p:sld>
 </file>
 
@@ -2090,7 +2026,7 @@
               </a:spcAft>
             </a:pPr>
             <a:r>
-              <a:rPr lang="en-US" sz="6600" b="1" smtClean="0">
+              <a:rPr lang="en-US" sz="6600" b="1">
                 <a:solidFill>
                   <a:prstClr val="black"/>
                 </a:solidFill>
@@ -2106,7 +2042,7 @@
               <a:t>Toaøn naêng thay Chuùa, vinh quang ñaùng ngôïi, moïi ñieàu Cha luoân </a:t>
             </a:r>
             <a:br>
-              <a:rPr lang="en-US" sz="6600" b="1" smtClean="0">
+              <a:rPr lang="en-US" sz="6600" b="1">
                 <a:solidFill>
                   <a:prstClr val="black"/>
                 </a:solidFill>
@@ -2121,7 +2057,7 @@
               </a:rPr>
             </a:br>
             <a:r>
-              <a:rPr lang="en-US" sz="6600" b="1" smtClean="0">
+              <a:rPr lang="en-US" sz="6600" b="1">
                 <a:solidFill>
                   <a:prstClr val="black"/>
                 </a:solidFill>
@@ -2137,7 +2073,7 @@
               <a:t>ban phöôùc daãn daét </a:t>
             </a:r>
             <a:br>
-              <a:rPr lang="en-US" sz="6600" b="1" smtClean="0">
+              <a:rPr lang="en-US" sz="6600" b="1">
                 <a:solidFill>
                   <a:prstClr val="black"/>
                 </a:solidFill>
@@ -2152,7 +2088,7 @@
               </a:rPr>
             </a:br>
             <a:r>
-              <a:rPr lang="en-US" sz="6600" b="1" smtClean="0">
+              <a:rPr lang="en-US" sz="6600" b="1">
                 <a:solidFill>
                   <a:prstClr val="black"/>
                 </a:solidFill>
@@ -2167,19 +2103,6 @@
               </a:rPr>
               <a:t>suoát ngaøy ñeâm.</a:t>
             </a:r>
-            <a:endParaRPr lang="en-US" sz="6600" b="1">
-              <a:solidFill>
-                <a:prstClr val="black"/>
-              </a:solidFill>
-              <a:effectLst>
-                <a:glow rad="127000">
-                  <a:prstClr val="white"/>
-                </a:glow>
-              </a:effectLst>
-              <a:latin typeface="VNI-Aptima" pitchFamily="2" charset="0"/>
-              <a:ea typeface="Times New Roman" pitchFamily="18" charset="0"/>
-              <a:cs typeface="Times New Roman" pitchFamily="18" charset="0"/>
-            </a:endParaRPr>
           </a:p>
         </p:txBody>
       </p:sp>
@@ -2207,7 +2130,7 @@
           <a:p>
             <a:pPr algn="ctr"/>
             <a:r>
-              <a:rPr lang="en-US" sz="4000" b="1" smtClean="0">
+              <a:rPr lang="en-US" sz="4000" b="1" dirty="0">
                 <a:ln w="11430"/>
                 <a:solidFill>
                   <a:srgbClr val="FFFF00"/>
@@ -2222,27 +2145,10 @@
                     </a:srgbClr>
                   </a:outerShdw>
                 </a:effectLst>
-                <a:latin typeface="HP-Bank" panose="020B0603050302020204" pitchFamily="34" charset="0"/>
+                <a:latin typeface="VNI-Times" pitchFamily="2" charset="0"/>
               </a:rPr>
               <a:t>TOAØN NAÊNG THAY CHUÙA</a:t>
             </a:r>
-            <a:endParaRPr lang="en-US" sz="4000" b="1">
-              <a:ln w="11430"/>
-              <a:solidFill>
-                <a:srgbClr val="FFFF00"/>
-              </a:solidFill>
-              <a:effectLst>
-                <a:glow rad="127000">
-                  <a:prstClr val="black"/>
-                </a:glow>
-                <a:outerShdw blurRad="50800" dist="39000" dir="5460000" algn="tl">
-                  <a:srgbClr val="000000">
-                    <a:alpha val="38000"/>
-                  </a:srgbClr>
-                </a:outerShdw>
-              </a:effectLst>
-              <a:latin typeface="HP-Bank" panose="020B0603050302020204" pitchFamily="34" charset="0"/>
-            </a:endParaRPr>
           </a:p>
         </p:txBody>
       </p:sp>
@@ -2319,7 +2225,7 @@
               </a:spcAft>
             </a:pPr>
             <a:r>
-              <a:rPr lang="en-US" sz="6600" b="1" smtClean="0">
+              <a:rPr lang="en-US" sz="6600" b="1">
                 <a:solidFill>
                   <a:prstClr val="black"/>
                 </a:solidFill>
@@ -2335,7 +2241,7 @@
               <a:t>Jeâsus naêng quyeàn, </a:t>
             </a:r>
             <a:br>
-              <a:rPr lang="en-US" sz="6600" b="1" smtClean="0">
+              <a:rPr lang="en-US" sz="6600" b="1">
                 <a:solidFill>
                   <a:prstClr val="black"/>
                 </a:solidFill>
@@ -2350,7 +2256,7 @@
               </a:rPr>
             </a:br>
             <a:r>
-              <a:rPr lang="en-US" sz="6600" b="1" smtClean="0">
+              <a:rPr lang="en-US" sz="6600" b="1">
                 <a:solidFill>
                   <a:prstClr val="black"/>
                 </a:solidFill>
@@ -2365,19 +2271,6 @@
               </a:rPr>
               <a:t>treân heát naêng quyeàn, ñaùp lôøi moïi ñieàu vöôït quaù suy nghó loøng con.</a:t>
             </a:r>
-            <a:endParaRPr lang="en-US" sz="6600" b="1">
-              <a:solidFill>
-                <a:prstClr val="black"/>
-              </a:solidFill>
-              <a:effectLst>
-                <a:glow rad="127000">
-                  <a:prstClr val="white"/>
-                </a:glow>
-              </a:effectLst>
-              <a:latin typeface="VNI-Aptima" pitchFamily="2" charset="0"/>
-              <a:ea typeface="Times New Roman" pitchFamily="18" charset="0"/>
-              <a:cs typeface="Times New Roman" pitchFamily="18" charset="0"/>
-            </a:endParaRPr>
           </a:p>
         </p:txBody>
       </p:sp>
@@ -2405,7 +2298,7 @@
           <a:p>
             <a:pPr algn="ctr"/>
             <a:r>
-              <a:rPr lang="en-US" sz="4000" b="1" smtClean="0">
+              <a:rPr lang="en-US" sz="4000" b="1" dirty="0">
                 <a:ln w="11430"/>
                 <a:solidFill>
                   <a:srgbClr val="FFFF00"/>
@@ -2420,27 +2313,10 @@
                     </a:srgbClr>
                   </a:outerShdw>
                 </a:effectLst>
-                <a:latin typeface="HP-Bank" panose="020B0603050302020204" pitchFamily="34" charset="0"/>
+                <a:latin typeface="VNI-Times" pitchFamily="2" charset="0"/>
               </a:rPr>
               <a:t>TOAØN NAÊNG THAY CHUÙA</a:t>
             </a:r>
-            <a:endParaRPr lang="en-US" sz="4000" b="1">
-              <a:ln w="11430"/>
-              <a:solidFill>
-                <a:srgbClr val="FFFF00"/>
-              </a:solidFill>
-              <a:effectLst>
-                <a:glow rad="127000">
-                  <a:prstClr val="black"/>
-                </a:glow>
-                <a:outerShdw blurRad="50800" dist="39000" dir="5460000" algn="tl">
-                  <a:srgbClr val="000000">
-                    <a:alpha val="38000"/>
-                  </a:srgbClr>
-                </a:outerShdw>
-              </a:effectLst>
-              <a:latin typeface="HP-Bank" panose="020B0603050302020204" pitchFamily="34" charset="0"/>
-            </a:endParaRPr>
           </a:p>
         </p:txBody>
       </p:sp>
@@ -2517,7 +2393,7 @@
               </a:spcAft>
             </a:pPr>
             <a:r>
-              <a:rPr lang="en-US" sz="6600" b="1" smtClean="0">
+              <a:rPr lang="en-US" sz="6600" b="1">
                 <a:solidFill>
                   <a:prstClr val="black"/>
                 </a:solidFill>
@@ -2533,7 +2409,7 @@
               <a:t>Jeâsus naêng quyeàn, Chuùa Vua naêng quyeàn, dìu con ñi trong yù </a:t>
             </a:r>
             <a:br>
-              <a:rPr lang="en-US" sz="6600" b="1" smtClean="0">
+              <a:rPr lang="en-US" sz="6600" b="1">
                 <a:solidFill>
                   <a:prstClr val="black"/>
                 </a:solidFill>
@@ -2548,7 +2424,7 @@
               </a:rPr>
             </a:br>
             <a:r>
-              <a:rPr lang="en-US" sz="6600" b="1" smtClean="0">
+              <a:rPr lang="en-US" sz="6600" b="1">
                 <a:solidFill>
                   <a:prstClr val="black"/>
                 </a:solidFill>
@@ -2563,19 +2439,6 @@
               </a:rPr>
               <a:t>Cha luoân ngaøy ñeâm.</a:t>
             </a:r>
-            <a:endParaRPr lang="en-US" sz="6600" b="1">
-              <a:solidFill>
-                <a:prstClr val="black"/>
-              </a:solidFill>
-              <a:effectLst>
-                <a:glow rad="127000">
-                  <a:prstClr val="white"/>
-                </a:glow>
-              </a:effectLst>
-              <a:latin typeface="VNI-Aptima" pitchFamily="2" charset="0"/>
-              <a:ea typeface="Times New Roman" pitchFamily="18" charset="0"/>
-              <a:cs typeface="Times New Roman" pitchFamily="18" charset="0"/>
-            </a:endParaRPr>
           </a:p>
         </p:txBody>
       </p:sp>
@@ -2603,7 +2466,7 @@
           <a:p>
             <a:pPr algn="ctr"/>
             <a:r>
-              <a:rPr lang="en-US" sz="4000" b="1" smtClean="0">
+              <a:rPr lang="en-US" sz="4000" b="1" dirty="0">
                 <a:ln w="11430"/>
                 <a:solidFill>
                   <a:srgbClr val="FFFF00"/>
@@ -2618,27 +2481,10 @@
                     </a:srgbClr>
                   </a:outerShdw>
                 </a:effectLst>
-                <a:latin typeface="HP-Bank" panose="020B0603050302020204" pitchFamily="34" charset="0"/>
+                <a:latin typeface="VNI-Times" pitchFamily="2" charset="0"/>
               </a:rPr>
               <a:t>TOAØN NAÊNG THAY CHUÙA</a:t>
             </a:r>
-            <a:endParaRPr lang="en-US" sz="4000" b="1">
-              <a:ln w="11430"/>
-              <a:solidFill>
-                <a:srgbClr val="FFFF00"/>
-              </a:solidFill>
-              <a:effectLst>
-                <a:glow rad="127000">
-                  <a:prstClr val="black"/>
-                </a:glow>
-                <a:outerShdw blurRad="50800" dist="39000" dir="5460000" algn="tl">
-                  <a:srgbClr val="000000">
-                    <a:alpha val="38000"/>
-                  </a:srgbClr>
-                </a:outerShdw>
-              </a:effectLst>
-              <a:latin typeface="HP-Bank" panose="020B0603050302020204" pitchFamily="34" charset="0"/>
-            </a:endParaRPr>
           </a:p>
         </p:txBody>
       </p:sp>
